--- a/week2_slides.pptx
+++ b/week2_slides.pptx
@@ -6155,7 +6155,7 @@
             <a:pPr lvl="1"/>
             <a:r>
               <a:rPr lang="en-US" dirty="0"/>
-              <a:t>Can represent integers 0..255 (unsinged) or</a:t>
+              <a:t>Can represent integers 0..255 (unsigned) or</a:t>
             </a:r>
             <a:br>
               <a:rPr lang="en-US" dirty="0"/>
@@ -6175,7 +6175,15 @@
             <a:pPr lvl="1"/>
             <a:r>
               <a:rPr lang="en-US" dirty="0"/>
-              <a:t>Can represent integers 0..65535 (unsigned) or</a:t>
+              <a:t>Can represent integers 0..65535 </a:t>
+            </a:r>
+            <a:r>
+              <a:rPr lang="en-US"/>
+              <a:t>(unsigned</a:t>
+            </a:r>
+            <a:r>
+              <a:rPr lang="en-US" dirty="0"/>
+              <a:t>) or</a:t>
             </a:r>
             <a:br>
               <a:rPr lang="en-US" dirty="0"/>
